--- a/barcodeScanner/barcodeScanner.pptx
+++ b/barcodeScanner/barcodeScanner.pptx
@@ -5,7 +5,7 @@
     <p:sldMasterId id="2147483648" r:id="rId1"/>
   </p:sldMasterIdLst>
   <p:notesMasterIdLst>
-    <p:notesMasterId r:id="rId10"/>
+    <p:notesMasterId r:id="rId9"/>
   </p:notesMasterIdLst>
   <p:sldIdLst>
     <p:sldId id="258" r:id="rId2"/>
@@ -15,7 +15,6 @@
     <p:sldId id="262" r:id="rId6"/>
     <p:sldId id="263" r:id="rId7"/>
     <p:sldId id="266" r:id="rId8"/>
-    <p:sldId id="265" r:id="rId9"/>
   </p:sldIdLst>
   <p:sldSz cx="12192000" cy="6858000"/>
   <p:notesSz cx="6858000" cy="9144000"/>
@@ -204,7 +203,7 @@
           <a:p>
             <a:fld id="{A5C20BB3-3CCB-4FE5-991B-82F6BCB48AF3}" type="datetimeFigureOut">
               <a:rPr lang="en-US" smtClean="0"/>
-              <a:t>4/29/2019</a:t>
+              <a:t>4/30/2019</a:t>
             </a:fld>
             <a:endParaRPr lang="en-US"/>
           </a:p>
@@ -727,7 +726,7 @@
           <a:p>
             <a:fld id="{48A87A34-81AB-432B-8DAE-1953F412C126}" type="datetimeFigureOut">
               <a:rPr lang="en-US" dirty="0"/>
-              <a:t>4/29/2019</a:t>
+              <a:t>4/30/2019</a:t>
             </a:fld>
             <a:endParaRPr lang="en-US" dirty="0"/>
           </a:p>
@@ -938,7 +937,7 @@
           <a:p>
             <a:fld id="{48A87A34-81AB-432B-8DAE-1953F412C126}" type="datetimeFigureOut">
               <a:rPr lang="en-US" dirty="0"/>
-              <a:t>4/29/2019</a:t>
+              <a:t>4/30/2019</a:t>
             </a:fld>
             <a:endParaRPr lang="en-US" dirty="0"/>
           </a:p>
@@ -1153,7 +1152,7 @@
           <a:p>
             <a:fld id="{48A87A34-81AB-432B-8DAE-1953F412C126}" type="datetimeFigureOut">
               <a:rPr lang="en-US" dirty="0"/>
-              <a:t>4/29/2019</a:t>
+              <a:t>4/30/2019</a:t>
             </a:fld>
             <a:endParaRPr lang="en-US" dirty="0"/>
           </a:p>
@@ -1354,7 +1353,7 @@
           <a:p>
             <a:fld id="{48A87A34-81AB-432B-8DAE-1953F412C126}" type="datetimeFigureOut">
               <a:rPr lang="en-US" dirty="0"/>
-              <a:t>4/29/2019</a:t>
+              <a:t>4/30/2019</a:t>
             </a:fld>
             <a:endParaRPr lang="en-US" dirty="0"/>
           </a:p>
@@ -1633,7 +1632,7 @@
           <a:p>
             <a:fld id="{48A87A34-81AB-432B-8DAE-1953F412C126}" type="datetimeFigureOut">
               <a:rPr lang="en-US" dirty="0"/>
-              <a:t>4/29/2019</a:t>
+              <a:t>4/30/2019</a:t>
             </a:fld>
             <a:endParaRPr lang="en-US" dirty="0"/>
           </a:p>
@@ -1901,7 +1900,7 @@
           <a:p>
             <a:fld id="{48A87A34-81AB-432B-8DAE-1953F412C126}" type="datetimeFigureOut">
               <a:rPr lang="en-US" dirty="0"/>
-              <a:t>4/29/2019</a:t>
+              <a:t>4/30/2019</a:t>
             </a:fld>
             <a:endParaRPr lang="en-US" dirty="0"/>
           </a:p>
@@ -2317,7 +2316,7 @@
           <a:p>
             <a:fld id="{48A87A34-81AB-432B-8DAE-1953F412C126}" type="datetimeFigureOut">
               <a:rPr lang="en-US" dirty="0"/>
-              <a:t>4/29/2019</a:t>
+              <a:t>4/30/2019</a:t>
             </a:fld>
             <a:endParaRPr lang="en-US" dirty="0"/>
           </a:p>
@@ -2466,7 +2465,7 @@
           <a:p>
             <a:fld id="{48A87A34-81AB-432B-8DAE-1953F412C126}" type="datetimeFigureOut">
               <a:rPr lang="en-US" dirty="0"/>
-              <a:t>4/29/2019</a:t>
+              <a:t>4/30/2019</a:t>
             </a:fld>
             <a:endParaRPr lang="en-US" dirty="0"/>
           </a:p>
@@ -2592,7 +2591,7 @@
           <a:p>
             <a:fld id="{48A87A34-81AB-432B-8DAE-1953F412C126}" type="datetimeFigureOut">
               <a:rPr lang="en-US" dirty="0"/>
-              <a:t>4/29/2019</a:t>
+              <a:t>4/30/2019</a:t>
             </a:fld>
             <a:endParaRPr lang="en-US" dirty="0"/>
           </a:p>
@@ -2843,7 +2842,7 @@
           <a:p>
             <a:fld id="{48A87A34-81AB-432B-8DAE-1953F412C126}" type="datetimeFigureOut">
               <a:rPr lang="en-US" dirty="0"/>
-              <a:t>4/29/2019</a:t>
+              <a:t>4/30/2019</a:t>
             </a:fld>
             <a:endParaRPr lang="en-US" dirty="0"/>
           </a:p>
@@ -3289,7 +3288,7 @@
             <a:fld id="{48A87A34-81AB-432B-8DAE-1953F412C126}" type="datetimeFigureOut">
               <a:rPr lang="en-US" dirty="0"/>
               <a:pPr/>
-              <a:t>4/29/2019</a:t>
+              <a:t>4/30/2019</a:t>
             </a:fld>
             <a:endParaRPr lang="en-US" dirty="0"/>
           </a:p>
@@ -3617,7 +3616,7 @@
             <a:fld id="{48A87A34-81AB-432B-8DAE-1953F412C126}" type="datetimeFigureOut">
               <a:rPr lang="en-US" dirty="0"/>
               <a:pPr/>
-              <a:t>4/29/2019</a:t>
+              <a:t>4/30/2019</a:t>
             </a:fld>
             <a:endParaRPr lang="en-US" dirty="0"/>
           </a:p>
@@ -4286,7 +4285,7 @@
           <a:p>
             <a:r>
               <a:rPr lang="en-US" sz="4800" dirty="0"/>
-              <a:t>Barcode scan from mobile web apps</a:t>
+              <a:t>Barcode scan FOR mobile web apps</a:t>
             </a:r>
           </a:p>
         </p:txBody>
@@ -4324,52 +4323,6 @@
               <a:t>Nicola.Zordan@outlook.com</a:t>
             </a:r>
             <a:endParaRPr sz="1600" dirty="0"/>
-          </a:p>
-        </p:txBody>
-      </p:sp>
-      <p:sp>
-        <p:nvSpPr>
-          <p:cNvPr id="5" name="Footer PlaceHolder 3"/>
-          <p:cNvSpPr>
-            <a:spLocks noGrp="1"/>
-          </p:cNvSpPr>
-          <p:nvPr>
-            <p:ph type="ftr" sz="quarter" idx="11"/>
-          </p:nvPr>
-        </p:nvSpPr>
-        <p:spPr>
-          <a:xfrm>
-            <a:off x="1449981" y="329309"/>
-            <a:ext cx="4179506" cy="309201"/>
-          </a:xfrm>
-        </p:spPr>
-        <p:txBody>
-          <a:bodyPr>
-            <a:normAutofit/>
-          </a:bodyPr>
-          <a:lstStyle/>
-          <a:p>
-            <a:pPr>
-              <a:spcAft>
-                <a:spcPts val="600"/>
-              </a:spcAft>
-            </a:pPr>
-            <a:r>
-              <a:rPr lang="en-US" dirty="0">
-                <a:hlinkClick r:id="rId2"/>
-              </a:rPr>
-              <a:t>Photo</a:t>
-            </a:r>
-            <a:r>
-              <a:rPr lang="en-US" dirty="0"/>
-              <a:t> by Thomas Schmidt (NetAction) / </a:t>
-            </a:r>
-            <a:r>
-              <a:rPr lang="en-US" dirty="0">
-                <a:hlinkClick r:id="rId3"/>
-              </a:rPr>
-              <a:t>CC BY-SA 3.0</a:t>
-            </a:r>
           </a:p>
         </p:txBody>
       </p:sp>
@@ -4430,7 +4383,7 @@
           <p:nvPr/>
         </p:nvPicPr>
         <p:blipFill>
-          <a:blip r:embed="rId4">
+          <a:blip r:embed="rId2">
             <a:extLst>
               <a:ext uri="{28A0092B-C50C-407E-A947-70E740481C1C}">
                 <a14:useLocalDpi xmlns:a14="http://schemas.microsoft.com/office/drawing/2010/main" val="0"/>
@@ -4475,7 +4428,7 @@
           </p:nvPr>
         </p:nvPicPr>
         <p:blipFill rotWithShape="1">
-          <a:blip r:embed="rId5">
+          <a:blip r:embed="rId3">
             <a:extLst>
               <a:ext uri="{28A0092B-C50C-407E-A947-70E740481C1C}">
                 <a14:useLocalDpi xmlns:a14="http://schemas.microsoft.com/office/drawing/2010/main" val="0"/>
@@ -4687,7 +4640,7 @@
           <a:p>
             <a:r>
               <a:rPr lang="en-US" dirty="0"/>
-              <a:t>How and why</a:t>
+              <a:t>Expanding the usability of existing web applications</a:t>
             </a:r>
           </a:p>
         </p:txBody>
@@ -4769,7 +4722,7 @@
             </a:pPr>
             <a:r>
               <a:rPr lang="en-US" sz="1700" dirty="0"/>
-              <a:t>We have web applications to read products codes</a:t>
+              <a:t>Web application have been designed for the PC web browser</a:t>
             </a:r>
           </a:p>
           <a:p>
@@ -4780,7 +4733,7 @@
             </a:pPr>
             <a:r>
               <a:rPr lang="en-US" sz="1700" dirty="0"/>
-              <a:t>We wanted to use them on mobile</a:t>
+              <a:t>It would be nice however to take advantage of resources on the mobile devices</a:t>
             </a:r>
           </a:p>
           <a:p>
@@ -4791,7 +4744,7 @@
             </a:pPr>
             <a:r>
               <a:rPr lang="en-US" sz="1700" dirty="0"/>
-              <a:t>Looking at them I noticed that it would be great to be able to use a mobile phone camera to read barcodes, instead of having to type them</a:t>
+              <a:t>It is possible to enable using the device camera to scan barcodes, making it easier entering data</a:t>
             </a:r>
           </a:p>
           <a:p>
@@ -4802,7 +4755,18 @@
             </a:pPr>
             <a:r>
               <a:rPr lang="en-US" sz="1700" dirty="0"/>
-              <a:t>This was an easy way to do this on the client side without much programming </a:t>
+              <a:t>Mostly useful for Inventory, Shipping, Delivery, Sales Analysis apps </a:t>
+            </a:r>
+          </a:p>
+          <a:p>
+            <a:pPr>
+              <a:lnSpc>
+                <a:spcPct val="110000"/>
+              </a:lnSpc>
+            </a:pPr>
+            <a:r>
+              <a:rPr lang="en-US" sz="1700" dirty="0"/>
+              <a:t>I am showing you an example that allows integrating this ability on web application without hardware integration coding, special libraries, all handled in the client in JavaScript </a:t>
             </a:r>
           </a:p>
         </p:txBody>
@@ -4949,7 +4913,7 @@
             </a:r>
             <a:r>
               <a:rPr lang="en-US" dirty="0" err="1"/>
-              <a:t>yor</a:t>
+              <a:t>yoUr</a:t>
             </a:r>
             <a:r>
               <a:rPr lang="en-US" dirty="0"/>
@@ -5030,19 +4994,19 @@
           <a:p>
             <a:r>
               <a:rPr lang="en-US" dirty="0"/>
-              <a:t>Many business apps I have worked with could use the ability to scan a bar code to avoid typing parts numbers on a mobile device</a:t>
-            </a:r>
-          </a:p>
-          <a:p>
-            <a:r>
-              <a:rPr lang="en-US" dirty="0"/>
-              <a:t>There are many apps available to use the mobile phone camera to scan bar codes or QR codes</a:t>
-            </a:r>
-          </a:p>
-          <a:p>
-            <a:r>
-              <a:rPr lang="en-US" dirty="0"/>
-              <a:t>It is complex without a dedicated native mobile app integrating it with the existing web app</a:t>
+              <a:t>There are already many native apps on mobile devices that can scan barcodes, but web apps are not normally able to take advantage of the device camera in this way</a:t>
+            </a:r>
+          </a:p>
+          <a:p>
+            <a:r>
+              <a:rPr lang="en-US" dirty="0"/>
+              <a:t>I had a simple use case example about a Sales Analysis application to check sales and inventory info on specific items, to be used by the manager while walking in the warehouse</a:t>
+            </a:r>
+          </a:p>
+          <a:p>
+            <a:r>
+              <a:rPr lang="en-US" dirty="0"/>
+              <a:t>This made a big difference in the effectiveness of an app used on a mobile device</a:t>
             </a:r>
           </a:p>
         </p:txBody>
@@ -5185,13 +5149,8 @@
           <a:p>
             <a:r>
               <a:rPr lang="en-US" dirty="0"/>
-              <a:t>use the camera </a:t>
-            </a:r>
-            <a:r>
-              <a:rPr lang="en-US" dirty="0" err="1"/>
-              <a:t>luke</a:t>
-            </a:r>
-            <a:endParaRPr lang="en-US" dirty="0"/>
+              <a:t>QUAGGAJS</a:t>
+            </a:r>
           </a:p>
         </p:txBody>
       </p:sp>
@@ -5255,8 +5214,8 @@
         </p:nvSpPr>
         <p:spPr>
           <a:xfrm>
-            <a:off x="4924851" y="1600199"/>
-            <a:ext cx="6130003" cy="4297680"/>
+            <a:off x="4924851" y="1053885"/>
+            <a:ext cx="6130003" cy="4843994"/>
           </a:xfrm>
         </p:spPr>
         <p:txBody>
@@ -5267,21 +5226,53 @@
           <a:p>
             <a:r>
               <a:rPr lang="en-US" dirty="0"/>
-              <a:t>There is a </a:t>
+              <a:t>To do this I used a client JavaScript library that does all the processing in JavaScript</a:t>
+            </a:r>
+          </a:p>
+          <a:p>
+            <a:r>
+              <a:rPr lang="en-US" dirty="0"/>
+              <a:t>The library name is </a:t>
             </a:r>
             <a:r>
               <a:rPr lang="en-US" dirty="0" err="1"/>
-              <a:t>JavaScrip</a:t>
-            </a:r>
-            <a:r>
-              <a:rPr lang="en-US" dirty="0"/>
-              <a:t> library that natively will allow reading bar codes using the client camera</a:t>
-            </a:r>
-          </a:p>
-          <a:p>
-            <a:r>
-              <a:rPr lang="en-US" dirty="0"/>
-              <a:t>I have created a simple adaptor that would allow clicking a button on a web site to load the scanned code into an input field</a:t>
+              <a:t>QuaggaJS</a:t>
+            </a:r>
+            <a:endParaRPr lang="en-US" dirty="0"/>
+          </a:p>
+          <a:p>
+            <a:r>
+              <a:rPr lang="en-US" dirty="0"/>
+              <a:t>But it had multiple variables on configuration and settings</a:t>
+            </a:r>
+          </a:p>
+          <a:p>
+            <a:r>
+              <a:rPr lang="en-US" dirty="0"/>
+              <a:t>So I created a simple JavaScript app that will make it easy to simply attach code to a </a:t>
+            </a:r>
+            <a:r>
+              <a:rPr lang="en-US" b="1" dirty="0"/>
+              <a:t>button</a:t>
+            </a:r>
+            <a:r>
+              <a:rPr lang="en-US" dirty="0"/>
+              <a:t> and get the scanned code into an </a:t>
+            </a:r>
+            <a:r>
+              <a:rPr lang="en-US" b="1" dirty="0"/>
+              <a:t>input field</a:t>
+            </a:r>
+            <a:endParaRPr lang="en-US" dirty="0"/>
+          </a:p>
+          <a:p>
+            <a:r>
+              <a:rPr lang="en-US" dirty="0"/>
+              <a:t>You can get my code and implement it in your app from </a:t>
+            </a:r>
+            <a:r>
+              <a:rPr lang="en-US" dirty="0" err="1"/>
+              <a:t>github</a:t>
             </a:r>
             <a:endParaRPr dirty="0"/>
           </a:p>
@@ -5425,7 +5416,14 @@
           <a:p>
             <a:r>
               <a:rPr lang="en-US" dirty="0"/>
-              <a:t>The </a:t>
+              <a:t>My code </a:t>
+            </a:r>
+            <a:br>
+              <a:rPr lang="en-US" dirty="0"/>
+            </a:br>
+            <a:r>
+              <a:rPr lang="en-US" dirty="0"/>
+              <a:t>and The </a:t>
             </a:r>
             <a:r>
               <a:rPr lang="en-US" dirty="0" err="1"/>
@@ -5433,7 +5431,14 @@
             </a:r>
             <a:r>
               <a:rPr lang="en-US" dirty="0"/>
-              <a:t> library QUAGGA</a:t>
+              <a:t> library </a:t>
+            </a:r>
+            <a:br>
+              <a:rPr lang="en-US" dirty="0"/>
+            </a:br>
+            <a:r>
+              <a:rPr lang="en-US" dirty="0"/>
+              <a:t>QUAGGA</a:t>
             </a:r>
           </a:p>
         </p:txBody>
@@ -5498,95 +5503,123 @@
         </p:nvSpPr>
         <p:spPr>
           <a:xfrm>
-            <a:off x="4924851" y="1600199"/>
-            <a:ext cx="6130003" cy="4297680"/>
+            <a:off x="4924851" y="154983"/>
+            <a:ext cx="6130003" cy="6493790"/>
           </a:xfrm>
         </p:spPr>
         <p:txBody>
           <a:bodyPr anchor="ctr">
-            <a:normAutofit fontScale="70000" lnSpcReduction="20000"/>
+            <a:normAutofit lnSpcReduction="10000"/>
           </a:bodyPr>
           <a:lstStyle/>
           <a:p>
-            <a:r>
-              <a:rPr lang="en-US" dirty="0"/>
-              <a:t>Quagga is the JavaScript library I am using</a:t>
-            </a:r>
-          </a:p>
-          <a:p>
+            <a:endParaRPr lang="en-US" dirty="0"/>
+          </a:p>
+          <a:p>
+            <a:r>
+              <a:rPr lang="en-US" b="1" dirty="0"/>
+              <a:t>Nicola Zordan</a:t>
+            </a:r>
+          </a:p>
+          <a:p>
+            <a:r>
+              <a:rPr lang="en-US" dirty="0" err="1"/>
+              <a:t>BarcodeScannerJSnz</a:t>
+            </a:r>
+            <a:r>
+              <a:rPr lang="en-US" dirty="0"/>
+              <a:t>:  </a:t>
+            </a:r>
             <a:r>
               <a:rPr lang="en-US" dirty="0">
                 <a:hlinkClick r:id="rId2"/>
               </a:rPr>
-              <a:t>https://serratus.github.io/quaggaJS/</a:t>
-            </a:r>
-            <a:endParaRPr lang="en-US" dirty="0"/>
-          </a:p>
-          <a:p>
-            <a:endParaRPr lang="en-US" dirty="0"/>
-          </a:p>
-          <a:p>
-            <a:r>
-              <a:rPr lang="en-US" dirty="0"/>
-              <a:t>Available in </a:t>
-            </a:r>
+              <a:t>https://nicolazordan.github.io/NicolaZordan/</a:t>
+            </a:r>
+            <a:r>
+              <a:rPr lang="en-US" dirty="0"/>
+              <a:t> </a:t>
+            </a:r>
+          </a:p>
+          <a:p>
             <a:r>
               <a:rPr lang="en-US" dirty="0" err="1"/>
-              <a:t>github</a:t>
-            </a:r>
-            <a:endParaRPr lang="en-US" dirty="0"/>
-          </a:p>
-          <a:p>
-            <a:r>
-              <a:rPr lang="en-US" dirty="0"/>
-              <a:t>Created by:  Christoph </a:t>
-            </a:r>
-            <a:r>
-              <a:rPr lang="en-US" dirty="0" err="1"/>
-              <a:t>Oberhofer</a:t>
-            </a:r>
-            <a:endParaRPr lang="en-US" dirty="0"/>
-          </a:p>
-          <a:p>
-            <a:r>
-              <a:rPr lang="en-US" dirty="0"/>
-              <a:t>In 2017</a:t>
-            </a:r>
-          </a:p>
-          <a:p>
+              <a:t>Github</a:t>
+            </a:r>
+            <a:r>
+              <a:rPr lang="en-US" dirty="0"/>
+              <a:t>: </a:t>
+            </a:r>
             <a:r>
               <a:rPr lang="en-US" dirty="0">
                 <a:hlinkClick r:id="rId3"/>
               </a:rPr>
+              <a:t>https://github.com/NicolaZordan/BarcodeScannerJSnz</a:t>
+            </a:r>
+            <a:r>
+              <a:rPr lang="en-US" dirty="0"/>
+              <a:t> </a:t>
+            </a:r>
+          </a:p>
+          <a:p>
+            <a:endParaRPr lang="en-US" dirty="0"/>
+          </a:p>
+          <a:p>
+            <a:r>
+              <a:rPr lang="en-US" b="1" dirty="0"/>
+              <a:t>Quagga</a:t>
+            </a:r>
+            <a:r>
+              <a:rPr lang="en-US" dirty="0"/>
+              <a:t> is the JavaScript library I am using</a:t>
+            </a:r>
+          </a:p>
+          <a:p>
+            <a:r>
+              <a:rPr lang="en-US" dirty="0">
+                <a:hlinkClick r:id="rId4"/>
+              </a:rPr>
+              <a:t>https://serratus.github.io/quaggaJS/</a:t>
+            </a:r>
+            <a:endParaRPr lang="en-US" dirty="0"/>
+          </a:p>
+          <a:p>
+            <a:endParaRPr lang="en-US" dirty="0"/>
+          </a:p>
+          <a:p>
+            <a:r>
+              <a:rPr lang="en-US" dirty="0"/>
+              <a:t>Available in </a:t>
+            </a:r>
+            <a:r>
+              <a:rPr lang="en-US" dirty="0" err="1"/>
+              <a:t>github</a:t>
+            </a:r>
+            <a:endParaRPr lang="en-US" dirty="0"/>
+          </a:p>
+          <a:p>
+            <a:r>
+              <a:rPr lang="en-US" dirty="0"/>
+              <a:t>Created by:  Christoph </a:t>
+            </a:r>
+            <a:r>
+              <a:rPr lang="en-US" dirty="0" err="1"/>
+              <a:t>Oberhofer</a:t>
+            </a:r>
+            <a:endParaRPr lang="en-US" dirty="0"/>
+          </a:p>
+          <a:p>
+            <a:r>
+              <a:rPr lang="en-US" dirty="0"/>
+              <a:t>In 2017</a:t>
+            </a:r>
+          </a:p>
+          <a:p>
+            <a:r>
+              <a:rPr lang="en-US" dirty="0">
+                <a:hlinkClick r:id="rId5"/>
+              </a:rPr>
               <a:t>https://github.com/serratus</a:t>
-            </a:r>
-            <a:endParaRPr lang="en-US" dirty="0"/>
-          </a:p>
-          <a:p>
-            <a:endParaRPr lang="en-US" dirty="0"/>
-          </a:p>
-          <a:p>
-            <a:r>
-              <a:rPr lang="en-US" dirty="0"/>
-              <a:t>Nicola Zordan</a:t>
-            </a:r>
-          </a:p>
-          <a:p>
-            <a:r>
-              <a:rPr lang="en-US" dirty="0"/>
-              <a:t>Script</a:t>
-            </a:r>
-          </a:p>
-          <a:p>
-            <a:r>
-              <a:rPr lang="en-US" dirty="0"/>
-              <a:t>Test page</a:t>
-            </a:r>
-          </a:p>
-          <a:p>
-            <a:r>
-              <a:rPr lang="en-US" dirty="0" err="1"/>
-              <a:t>Github</a:t>
             </a:r>
             <a:endParaRPr lang="en-US" dirty="0"/>
           </a:p>
@@ -5736,7 +5769,7 @@
           <a:p>
             <a:r>
               <a:rPr lang="en-US" dirty="0"/>
-              <a:t>Simplifying </a:t>
+              <a:t>EASY TO ADD a Barcode scan button </a:t>
             </a:r>
           </a:p>
         </p:txBody>
@@ -5801,7 +5834,7 @@
         </p:nvSpPr>
         <p:spPr>
           <a:xfrm>
-            <a:off x="4924851" y="1600198"/>
+            <a:off x="4924851" y="732293"/>
             <a:ext cx="6130003" cy="2074027"/>
           </a:xfrm>
         </p:spPr>
@@ -5838,8 +5871,8 @@
         </p:nvSpPr>
         <p:spPr>
           <a:xfrm>
-            <a:off x="5020887" y="4231178"/>
-            <a:ext cx="6129985" cy="1477328"/>
+            <a:off x="5020887" y="4370495"/>
+            <a:ext cx="6129985" cy="923330"/>
           </a:xfrm>
           <a:prstGeom prst="rect">
             <a:avLst/>
@@ -5853,6 +5886,12 @@
           <a:lstStyle/>
           <a:p>
             <a:r>
+              <a:rPr lang="en-US" dirty="0"/>
+              <a:t>JavaScript:</a:t>
+            </a:r>
+          </a:p>
+          <a:p>
+            <a:r>
               <a:rPr lang="en-US" dirty="0" err="1"/>
               <a:t>barcodeScanner.inputField</a:t>
             </a:r>
@@ -5862,7 +5901,7 @@
             </a:r>
             <a:r>
               <a:rPr lang="en-US" dirty="0" err="1"/>
-              <a:t>document.form.inputField</a:t>
+              <a:t>document.inputForm.inputField</a:t>
             </a:r>
             <a:r>
               <a:rPr lang="en-US" dirty="0"/>
@@ -5870,30 +5909,64 @@
             </a:r>
           </a:p>
           <a:p>
+            <a:endParaRPr lang="en-US" dirty="0"/>
+          </a:p>
+        </p:txBody>
+      </p:sp>
+      <p:sp>
+        <p:nvSpPr>
+          <p:cNvPr id="7" name="TextBox 6">
+            <a:extLst>
+              <a:ext uri="{FF2B5EF4-FFF2-40B4-BE49-F238E27FC236}">
+                <a16:creationId xmlns:a16="http://schemas.microsoft.com/office/drawing/2014/main" id="{496CE14A-E2A7-4816-BEA0-04FCAB554043}"/>
+              </a:ext>
+            </a:extLst>
+          </p:cNvPr>
+          <p:cNvSpPr txBox="1"/>
+          <p:nvPr/>
+        </p:nvSpPr>
+        <p:spPr>
+          <a:xfrm>
+            <a:off x="5020887" y="2798954"/>
+            <a:ext cx="6129985" cy="923330"/>
+          </a:xfrm>
+          <a:prstGeom prst="rect">
+            <a:avLst/>
+          </a:prstGeom>
+          <a:noFill/>
+        </p:spPr>
+        <p:txBody>
+          <a:bodyPr wrap="square" rtlCol="0">
+            <a:spAutoFit/>
+          </a:bodyPr>
+          <a:lstStyle/>
+          <a:p>
+            <a:r>
+              <a:rPr lang="en-US" dirty="0"/>
+              <a:t>HTML: </a:t>
+            </a:r>
+          </a:p>
+          <a:p>
+            <a:r>
+              <a:rPr lang="en-US" dirty="0"/>
+              <a:t>&lt;input type=“button” value=“Scan Barcode” </a:t>
+            </a:r>
             <a:r>
               <a:rPr lang="en-US" dirty="0" err="1"/>
-              <a:t>barcodeScanner.scannedFunction</a:t>
-            </a:r>
-            <a:r>
-              <a:rPr lang="en-US" dirty="0"/>
-              <a:t>= function (barcode) {</a:t>
-            </a:r>
-          </a:p>
-          <a:p>
-            <a:pPr lvl="1"/>
-            <a:r>
-              <a:rPr lang="en-US" dirty="0"/>
-              <a:t>console.log("Scanned barcode: ["+barcode+"]");</a:t>
-            </a:r>
-          </a:p>
-          <a:p>
-            <a:r>
-              <a:rPr lang="en-US" dirty="0"/>
-              <a:t>}</a:t>
-            </a:r>
-          </a:p>
-          <a:p>
-            <a:endParaRPr lang="en-US" dirty="0"/>
+              <a:t>onClick</a:t>
+            </a:r>
+            <a:r>
+              <a:rPr lang="en-US" dirty="0"/>
+              <a:t>=“</a:t>
+            </a:r>
+            <a:r>
+              <a:rPr lang="en-US" dirty="0" err="1"/>
+              <a:t>barcodeScanner.start</a:t>
+            </a:r>
+            <a:r>
+              <a:rPr lang="en-US" dirty="0"/>
+              <a:t>()” /&gt;</a:t>
+            </a:r>
           </a:p>
         </p:txBody>
       </p:sp>
@@ -6114,6 +6187,19 @@
               <a:rPr lang="en-US" dirty="0"/>
               <a:t>Demo web app</a:t>
             </a:r>
+            <a:br>
+              <a:rPr lang="en-US" dirty="0"/>
+            </a:br>
+            <a:r>
+              <a:rPr lang="en-US" dirty="0">
+                <a:hlinkClick r:id="rId2"/>
+              </a:rPr>
+              <a:t>https://nicolazordan.github.io/NicolaZordan/barcodeScanner/barcodeScannerTest.html</a:t>
+            </a:r>
+            <a:r>
+              <a:rPr lang="en-US" dirty="0"/>
+              <a:t> </a:t>
+            </a:r>
           </a:p>
           <a:p>
             <a:endParaRPr lang="en-US" dirty="0"/>
@@ -6144,236 +6230,6 @@
     <p:extLst>
       <p:ext uri="{BB962C8B-B14F-4D97-AF65-F5344CB8AC3E}">
         <p14:creationId xmlns:p14="http://schemas.microsoft.com/office/powerpoint/2010/main" val="4202764438"/>
-      </p:ext>
-    </p:extLst>
-  </p:cSld>
-  <p:clrMapOvr>
-    <a:masterClrMapping/>
-  </p:clrMapOvr>
-</p:sld>
-</file>
-
-<file path=ppt/slides/slide8.xml><?xml version="1.0" encoding="utf-8"?>
-<p:sld xmlns:a="http://schemas.openxmlformats.org/drawingml/2006/main" xmlns:r="http://schemas.openxmlformats.org/officeDocument/2006/relationships" xmlns:p="http://schemas.openxmlformats.org/presentationml/2006/main">
-  <p:cSld>
-    <p:bg>
-      <p:bgPr>
-        <a:gradFill rotWithShape="1">
-          <a:gsLst>
-            <a:gs pos="0">
-              <a:schemeClr val="bg2">
-                <a:tint val="94000"/>
-                <a:satMod val="80000"/>
-                <a:lumMod val="106000"/>
-              </a:schemeClr>
-            </a:gs>
-            <a:gs pos="100000">
-              <a:schemeClr val="bg2">
-                <a:shade val="80000"/>
-              </a:schemeClr>
-            </a:gs>
-          </a:gsLst>
-          <a:path path="circle">
-            <a:fillToRect l="50000" t="50000" r="50000" b="50000"/>
-          </a:path>
-        </a:gradFill>
-        <a:effectLst/>
-      </p:bgPr>
-    </p:bg>
-    <p:spTree>
-      <p:nvGrpSpPr>
-        <p:cNvPr id="1" name=""/>
-        <p:cNvGrpSpPr/>
-        <p:nvPr/>
-      </p:nvGrpSpPr>
-      <p:grpSpPr>
-        <a:xfrm>
-          <a:off x="0" y="0"/>
-          <a:ext cx="0" cy="0"/>
-          <a:chOff x="0" y="0"/>
-          <a:chExt cx="0" cy="0"/>
-        </a:xfrm>
-      </p:grpSpPr>
-      <p:sp useBgFill="1">
-        <p:nvSpPr>
-          <p:cNvPr id="9" name="Rectangle 8">
-            <a:extLst>
-              <a:ext uri="{FF2B5EF4-FFF2-40B4-BE49-F238E27FC236}">
-                <a16:creationId xmlns:a16="http://schemas.microsoft.com/office/drawing/2014/main" id="{29C51009-A09A-4689-8E6C-F8FC99E6A840}"/>
-              </a:ext>
-              <a:ext uri="{C183D7F6-B498-43B3-948B-1728B52AA6E4}">
-                <adec:decorative xmlns:adec="http://schemas.microsoft.com/office/drawing/2017/decorative" val="1"/>
-              </a:ext>
-            </a:extLst>
-          </p:cNvPr>
-          <p:cNvSpPr>
-            <a:spLocks noGrp="1" noRot="1" noChangeAspect="1" noMove="1" noResize="1" noEditPoints="1" noAdjustHandles="1" noChangeArrowheads="1" noChangeShapeType="1" noTextEdit="1"/>
-          </p:cNvSpPr>
-          <p:nvPr>
-            <p:extLst>
-              <p:ext uri="{386F3935-93C4-4BCD-93E2-E3B085C9AB24}">
-                <p16:designElem xmlns:p16="http://schemas.microsoft.com/office/powerpoint/2015/main" val="1"/>
-              </p:ext>
-            </p:extLst>
-          </p:nvPr>
-        </p:nvSpPr>
-        <p:spPr>
-          <a:xfrm>
-            <a:off x="2" y="0"/>
-            <a:ext cx="12191695" cy="6858000"/>
-          </a:xfrm>
-          <a:prstGeom prst="rect">
-            <a:avLst/>
-          </a:prstGeom>
-          <a:ln>
-            <a:noFill/>
-          </a:ln>
-        </p:spPr>
-        <p:style>
-          <a:lnRef idx="2">
-            <a:schemeClr val="accent1">
-              <a:shade val="50000"/>
-            </a:schemeClr>
-          </a:lnRef>
-          <a:fillRef idx="1">
-            <a:schemeClr val="accent1"/>
-          </a:fillRef>
-          <a:effectRef idx="0">
-            <a:schemeClr val="accent1"/>
-          </a:effectRef>
-          <a:fontRef idx="minor">
-            <a:schemeClr val="lt1"/>
-          </a:fontRef>
-        </p:style>
-        <p:txBody>
-          <a:bodyPr rtlCol="0" anchor="ctr"/>
-          <a:lstStyle/>
-          <a:p>
-            <a:pPr algn="ctr"/>
-            <a:endParaRPr lang="en-US"/>
-          </a:p>
-        </p:txBody>
-      </p:sp>
-      <p:sp>
-        <p:nvSpPr>
-          <p:cNvPr id="2" name="Title 1"/>
-          <p:cNvSpPr>
-            <a:spLocks noGrp="1"/>
-          </p:cNvSpPr>
-          <p:nvPr>
-            <p:ph type="title"/>
-          </p:nvPr>
-        </p:nvSpPr>
-        <p:spPr>
-          <a:xfrm>
-            <a:off x="844476" y="1600199"/>
-            <a:ext cx="3539266" cy="4297680"/>
-          </a:xfrm>
-        </p:spPr>
-        <p:txBody>
-          <a:bodyPr anchor="ctr">
-            <a:normAutofit/>
-          </a:bodyPr>
-          <a:lstStyle/>
-          <a:p>
-            <a:r>
-              <a:rPr lang="en-US" dirty="0"/>
-              <a:t>DEMO</a:t>
-            </a:r>
-          </a:p>
-        </p:txBody>
-      </p:sp>
-      <p:cxnSp>
-        <p:nvCxnSpPr>
-          <p:cNvPr id="11" name="Straight Connector 10">
-            <a:extLst>
-              <a:ext uri="{FF2B5EF4-FFF2-40B4-BE49-F238E27FC236}">
-                <a16:creationId xmlns:a16="http://schemas.microsoft.com/office/drawing/2014/main" id="{9EC65442-F244-409C-BF44-C5D6472E810A}"/>
-              </a:ext>
-              <a:ext uri="{C183D7F6-B498-43B3-948B-1728B52AA6E4}">
-                <adec:decorative xmlns:adec="http://schemas.microsoft.com/office/drawing/2017/decorative" val="1"/>
-              </a:ext>
-            </a:extLst>
-          </p:cNvPr>
-          <p:cNvCxnSpPr>
-            <a:cxnSpLocks noGrp="1" noRot="1" noChangeAspect="1" noMove="1" noResize="1" noEditPoints="1" noAdjustHandles="1" noChangeArrowheads="1" noChangeShapeType="1"/>
-          </p:cNvCxnSpPr>
-          <p:nvPr>
-            <p:extLst>
-              <p:ext uri="{386F3935-93C4-4BCD-93E2-E3B085C9AB24}">
-                <p16:designElem xmlns:p16="http://schemas.microsoft.com/office/powerpoint/2015/main" val="1"/>
-              </p:ext>
-            </p:extLst>
-          </p:nvPr>
-        </p:nvCxnSpPr>
-        <p:spPr>
-          <a:xfrm>
-            <a:off x="4654296" y="2148839"/>
-            <a:ext cx="0" cy="3200400"/>
-          </a:xfrm>
-          <a:prstGeom prst="line">
-            <a:avLst/>
-          </a:prstGeom>
-          <a:ln w="31750"/>
-        </p:spPr>
-        <p:style>
-          <a:lnRef idx="1">
-            <a:schemeClr val="accent1"/>
-          </a:lnRef>
-          <a:fillRef idx="0">
-            <a:schemeClr val="accent1"/>
-          </a:fillRef>
-          <a:effectRef idx="0">
-            <a:schemeClr val="accent1"/>
-          </a:effectRef>
-          <a:fontRef idx="minor">
-            <a:schemeClr val="tx1"/>
-          </a:fontRef>
-        </p:style>
-      </p:cxnSp>
-      <p:sp>
-        <p:nvSpPr>
-          <p:cNvPr id="3" name="Content Placeholder 2"/>
-          <p:cNvSpPr>
-            <a:spLocks noGrp="1"/>
-          </p:cNvSpPr>
-          <p:nvPr>
-            <p:ph idx="1"/>
-          </p:nvPr>
-        </p:nvSpPr>
-        <p:spPr>
-          <a:xfrm>
-            <a:off x="4924851" y="1600199"/>
-            <a:ext cx="6130003" cy="4297680"/>
-          </a:xfrm>
-        </p:spPr>
-        <p:txBody>
-          <a:bodyPr anchor="ctr">
-            <a:normAutofit/>
-          </a:bodyPr>
-          <a:lstStyle/>
-          <a:p>
-            <a:r>
-              <a:rPr lang="en-US" dirty="0"/>
-              <a:t>Demo web app</a:t>
-            </a:r>
-          </a:p>
-          <a:p>
-            <a:endParaRPr lang="en-US" dirty="0"/>
-          </a:p>
-          <a:p>
-            <a:r>
-              <a:rPr lang="en-US" dirty="0"/>
-              <a:t>Scan a UPC bar code</a:t>
-            </a:r>
-            <a:endParaRPr dirty="0"/>
-          </a:p>
-        </p:txBody>
-      </p:sp>
-    </p:spTree>
-    <p:extLst>
-      <p:ext uri="{BB962C8B-B14F-4D97-AF65-F5344CB8AC3E}">
-        <p14:creationId xmlns:p14="http://schemas.microsoft.com/office/powerpoint/2010/main" val="4127372979"/>
       </p:ext>
     </p:extLst>
   </p:cSld>

--- a/barcodeScanner/barcodeScanner.pptx
+++ b/barcodeScanner/barcodeScanner.pptx
@@ -4285,8 +4285,13 @@
           <a:p>
             <a:r>
               <a:rPr lang="en-US" sz="4800" dirty="0"/>
-              <a:t>Barcode scan FOR mobile web apps</a:t>
-            </a:r>
+              <a:t>Barcode scan FOR mobile </a:t>
+            </a:r>
+            <a:r>
+              <a:rPr lang="en-US" sz="4800"/>
+              <a:t>web apps </a:t>
+            </a:r>
+            <a:endParaRPr lang="en-US" sz="4800" dirty="0"/>
           </a:p>
         </p:txBody>
       </p:sp>

--- a/barcodeScanner/barcodeScanner.pptx
+++ b/barcodeScanner/barcodeScanner.pptx
@@ -4710,8 +4710,8 @@
         </p:nvSpPr>
         <p:spPr>
           <a:xfrm>
-            <a:off x="4924851" y="1600199"/>
-            <a:ext cx="6130003" cy="4297680"/>
+            <a:off x="4924851" y="448887"/>
+            <a:ext cx="6779469" cy="6217920"/>
           </a:xfrm>
         </p:spPr>
         <p:txBody>
@@ -4726,8 +4726,12 @@
               </a:lnSpc>
             </a:pPr>
             <a:r>
-              <a:rPr lang="en-US" sz="1700" dirty="0"/>
-              <a:t>Web application have been designed for the PC web browser</a:t>
+              <a:rPr lang="en-US" sz="2400" b="1" dirty="0"/>
+              <a:t>Existing web application</a:t>
+            </a:r>
+            <a:r>
+              <a:rPr lang="en-US" sz="2400" dirty="0"/>
+              <a:t> have probably been designed for the PC web browser</a:t>
             </a:r>
           </a:p>
           <a:p>
@@ -4737,7 +4741,7 @@
               </a:lnSpc>
             </a:pPr>
             <a:r>
-              <a:rPr lang="en-US" sz="1700" dirty="0"/>
+              <a:rPr lang="en-US" sz="2400" dirty="0"/>
               <a:t>It would be nice however to take advantage of resources on the mobile devices</a:t>
             </a:r>
           </a:p>
@@ -4748,7 +4752,7 @@
               </a:lnSpc>
             </a:pPr>
             <a:r>
-              <a:rPr lang="en-US" sz="1700" dirty="0"/>
+              <a:rPr lang="en-US" sz="2400" dirty="0"/>
               <a:t>It is possible to enable using the device camera to scan barcodes, making it easier entering data</a:t>
             </a:r>
           </a:p>
@@ -4759,8 +4763,40 @@
               </a:lnSpc>
             </a:pPr>
             <a:r>
-              <a:rPr lang="en-US" sz="1700" dirty="0"/>
-              <a:t>Mostly useful for Inventory, Shipping, Delivery, Sales Analysis apps </a:t>
+              <a:rPr lang="en-US" sz="2400" dirty="0"/>
+              <a:t>This is mostly useful for </a:t>
+            </a:r>
+            <a:r>
+              <a:rPr lang="en-US" sz="2400" b="1" dirty="0"/>
+              <a:t>Inventory</a:t>
+            </a:r>
+            <a:r>
+              <a:rPr lang="en-US" sz="2400" dirty="0"/>
+              <a:t>, </a:t>
+            </a:r>
+            <a:r>
+              <a:rPr lang="en-US" sz="2400" b="1" dirty="0"/>
+              <a:t>Shipping</a:t>
+            </a:r>
+            <a:r>
+              <a:rPr lang="en-US" sz="2400" dirty="0"/>
+              <a:t>, </a:t>
+            </a:r>
+            <a:r>
+              <a:rPr lang="en-US" sz="2400" b="1" dirty="0"/>
+              <a:t>Delivery</a:t>
+            </a:r>
+            <a:r>
+              <a:rPr lang="en-US" sz="2400" dirty="0"/>
+              <a:t>, </a:t>
+            </a:r>
+            <a:r>
+              <a:rPr lang="en-US" sz="2400" b="1" dirty="0"/>
+              <a:t>Sales Analysis</a:t>
+            </a:r>
+            <a:r>
+              <a:rPr lang="en-US" sz="2400" dirty="0"/>
+              <a:t> apps </a:t>
             </a:r>
           </a:p>
           <a:p>
@@ -4770,8 +4806,16 @@
               </a:lnSpc>
             </a:pPr>
             <a:r>
-              <a:rPr lang="en-US" sz="1700" dirty="0"/>
-              <a:t>I am showing you an example that allows integrating this ability on web application without hardware integration coding, special libraries, all handled in the client in JavaScript </a:t>
+              <a:rPr lang="en-US" sz="2400" dirty="0"/>
+              <a:t>I am showing you an example that allows integrating this ability on web application </a:t>
+            </a:r>
+            <a:r>
+              <a:rPr lang="en-US" sz="2400" b="1" dirty="0"/>
+              <a:t>without</a:t>
+            </a:r>
+            <a:r>
+              <a:rPr lang="en-US" sz="2400" dirty="0"/>
+              <a:t> hardware integration coding, special libraries, all handled in the client in JavaScript </a:t>
             </a:r>
           </a:p>
         </p:txBody>
@@ -4987,31 +5031,39 @@
         </p:nvSpPr>
         <p:spPr>
           <a:xfrm>
-            <a:off x="4924851" y="1600199"/>
-            <a:ext cx="6130003" cy="4297680"/>
+            <a:off x="4924851" y="307570"/>
+            <a:ext cx="6130003" cy="6301047"/>
           </a:xfrm>
         </p:spPr>
         <p:txBody>
           <a:bodyPr anchor="ctr">
-            <a:normAutofit/>
+            <a:normAutofit fontScale="92500"/>
           </a:bodyPr>
           <a:lstStyle/>
           <a:p>
             <a:r>
-              <a:rPr lang="en-US" dirty="0"/>
+              <a:rPr lang="en-US" sz="2800" dirty="0"/>
               <a:t>There are already many native apps on mobile devices that can scan barcodes, but web apps are not normally able to take advantage of the device camera in this way</a:t>
             </a:r>
           </a:p>
           <a:p>
             <a:r>
-              <a:rPr lang="en-US" dirty="0"/>
-              <a:t>I had a simple use case example about a Sales Analysis application to check sales and inventory info on specific items, to be used by the manager while walking in the warehouse</a:t>
-            </a:r>
-          </a:p>
-          <a:p>
-            <a:r>
-              <a:rPr lang="en-US" dirty="0"/>
-              <a:t>This made a big difference in the effectiveness of an app used on a mobile device</a:t>
+              <a:rPr lang="en-US" sz="2800" dirty="0"/>
+              <a:t>I had a simple </a:t>
+            </a:r>
+            <a:r>
+              <a:rPr lang="en-US" sz="2800" b="1" dirty="0"/>
+              <a:t>use case</a:t>
+            </a:r>
+            <a:r>
+              <a:rPr lang="en-US" sz="2800" dirty="0"/>
+              <a:t> example about a Sales Analysis application to check sales and inventory info on specific items, to be used by the manager while walking in the warehouse</a:t>
+            </a:r>
+          </a:p>
+          <a:p>
+            <a:r>
+              <a:rPr lang="en-US" sz="2800" dirty="0"/>
+              <a:t>This makes a big difference in the effectiveness of an app used on a mobile device</a:t>
             </a:r>
           </a:p>
         </p:txBody>
@@ -5219,8 +5271,8 @@
         </p:nvSpPr>
         <p:spPr>
           <a:xfrm>
-            <a:off x="4924851" y="1053885"/>
-            <a:ext cx="6130003" cy="4843994"/>
+            <a:off x="4924851" y="266007"/>
+            <a:ext cx="6130003" cy="6334298"/>
           </a:xfrm>
         </p:spPr>
         <p:txBody>
@@ -5230,56 +5282,76 @@
           <a:lstStyle/>
           <a:p>
             <a:r>
-              <a:rPr lang="en-US" dirty="0"/>
-              <a:t>To do this I used a client JavaScript library that does all the processing in JavaScript</a:t>
-            </a:r>
-          </a:p>
-          <a:p>
-            <a:r>
-              <a:rPr lang="en-US" dirty="0"/>
+              <a:rPr lang="en-US" sz="2400" dirty="0"/>
+              <a:t>To do this I used a client </a:t>
+            </a:r>
+            <a:r>
+              <a:rPr lang="en-US" sz="2400" b="1" dirty="0"/>
+              <a:t>JavaScript library</a:t>
+            </a:r>
+            <a:r>
+              <a:rPr lang="en-US" sz="2400" dirty="0"/>
+              <a:t> that does all the processing in JavaScript</a:t>
+            </a:r>
+          </a:p>
+          <a:p>
+            <a:r>
+              <a:rPr lang="en-US" sz="2400" dirty="0"/>
               <a:t>The library name is </a:t>
             </a:r>
             <a:r>
-              <a:rPr lang="en-US" dirty="0" err="1"/>
+              <a:rPr lang="en-US" sz="2400" b="1" dirty="0" err="1"/>
               <a:t>QuaggaJS</a:t>
             </a:r>
-            <a:endParaRPr lang="en-US" dirty="0"/>
-          </a:p>
-          <a:p>
-            <a:r>
-              <a:rPr lang="en-US" dirty="0"/>
-              <a:t>But it had multiple variables on configuration and settings</a:t>
-            </a:r>
-          </a:p>
-          <a:p>
-            <a:r>
-              <a:rPr lang="en-US" dirty="0"/>
+            <a:endParaRPr lang="en-US" sz="2400" b="1" dirty="0"/>
+          </a:p>
+          <a:p>
+            <a:r>
+              <a:rPr lang="en-US" sz="2400" dirty="0"/>
+              <a:t>But it had multiple variables on </a:t>
+            </a:r>
+            <a:r>
+              <a:rPr lang="en-US" sz="2400" b="1" dirty="0"/>
+              <a:t>configuration</a:t>
+            </a:r>
+            <a:r>
+              <a:rPr lang="en-US" sz="2400" dirty="0"/>
+              <a:t> and settings</a:t>
+            </a:r>
+          </a:p>
+          <a:p>
+            <a:r>
+              <a:rPr lang="en-US" sz="2400" dirty="0"/>
               <a:t>So I created a simple JavaScript app that will make it easy to simply attach code to a </a:t>
             </a:r>
             <a:r>
-              <a:rPr lang="en-US" b="1" dirty="0"/>
+              <a:rPr lang="en-US" sz="2400" b="1" dirty="0"/>
               <a:t>button</a:t>
             </a:r>
             <a:r>
-              <a:rPr lang="en-US" dirty="0"/>
+              <a:rPr lang="en-US" sz="2400" dirty="0"/>
               <a:t> and get the scanned code into an </a:t>
             </a:r>
             <a:r>
-              <a:rPr lang="en-US" b="1" dirty="0"/>
+              <a:rPr lang="en-US" sz="2400" b="1" dirty="0"/>
               <a:t>input field</a:t>
             </a:r>
-            <a:endParaRPr lang="en-US" dirty="0"/>
-          </a:p>
-          <a:p>
-            <a:r>
-              <a:rPr lang="en-US" dirty="0"/>
-              <a:t>You can get my code and implement it in your app from </a:t>
-            </a:r>
-            <a:r>
-              <a:rPr lang="en-US" dirty="0" err="1"/>
+            <a:endParaRPr lang="en-US" sz="2400" dirty="0"/>
+          </a:p>
+          <a:p>
+            <a:r>
+              <a:rPr lang="en-US" sz="2400" dirty="0"/>
+              <a:t>You can get my code and implement it in your app from my </a:t>
+            </a:r>
+            <a:r>
+              <a:rPr lang="en-US" sz="2400" dirty="0" err="1"/>
               <a:t>github</a:t>
             </a:r>
-            <a:endParaRPr dirty="0"/>
+            <a:r>
+              <a:rPr lang="en-US" sz="2400" dirty="0"/>
+              <a:t> repository</a:t>
+            </a:r>
+            <a:endParaRPr sz="2400" dirty="0"/>
           </a:p>
         </p:txBody>
       </p:sp>
@@ -5975,6 +6047,40 @@
           </a:p>
         </p:txBody>
       </p:sp>
+      <p:sp>
+        <p:nvSpPr>
+          <p:cNvPr id="5" name="Rectangle 4">
+            <a:extLst>
+              <a:ext uri="{FF2B5EF4-FFF2-40B4-BE49-F238E27FC236}">
+                <a16:creationId xmlns:a16="http://schemas.microsoft.com/office/drawing/2014/main" id="{0517AC6C-F2D0-4E58-90BC-FFA2DD5D0F95}"/>
+              </a:ext>
+            </a:extLst>
+          </p:cNvPr>
+          <p:cNvSpPr/>
+          <p:nvPr/>
+        </p:nvSpPr>
+        <p:spPr>
+          <a:xfrm>
+            <a:off x="4958854" y="5788945"/>
+            <a:ext cx="6096000" cy="369332"/>
+          </a:xfrm>
+          <a:prstGeom prst="rect">
+            <a:avLst/>
+          </a:prstGeom>
+        </p:spPr>
+        <p:txBody>
+          <a:bodyPr>
+            <a:spAutoFit/>
+          </a:bodyPr>
+          <a:lstStyle/>
+          <a:p>
+            <a:r>
+              <a:rPr lang="en-US" dirty="0"/>
+              <a:t>Or even combine the 2 in the button onclick</a:t>
+            </a:r>
+          </a:p>
+        </p:txBody>
+      </p:sp>
     </p:spTree>
     <p:extLst>
       <p:ext uri="{BB962C8B-B14F-4D97-AF65-F5344CB8AC3E}">
@@ -6178,8 +6284,8 @@
         </p:nvSpPr>
         <p:spPr>
           <a:xfrm>
-            <a:off x="4924851" y="1600199"/>
-            <a:ext cx="6130003" cy="4297680"/>
+            <a:off x="4924851" y="232756"/>
+            <a:ext cx="6130003" cy="6159731"/>
           </a:xfrm>
         </p:spPr>
         <p:txBody>
@@ -6189,45 +6295,59 @@
           <a:lstStyle/>
           <a:p>
             <a:r>
-              <a:rPr lang="en-US" dirty="0"/>
+              <a:rPr lang="en-US" sz="2800" dirty="0"/>
               <a:t>Demo web app</a:t>
             </a:r>
             <a:br>
-              <a:rPr lang="en-US" dirty="0"/>
+              <a:rPr lang="en-US" sz="2800" dirty="0"/>
             </a:br>
             <a:r>
-              <a:rPr lang="en-US" dirty="0">
+              <a:rPr lang="en-US" sz="2800" dirty="0">
                 <a:hlinkClick r:id="rId2"/>
               </a:rPr>
               <a:t>https://nicolazordan.github.io/NicolaZordan/barcodeScanner/barcodeScannerTest.html</a:t>
             </a:r>
             <a:r>
-              <a:rPr lang="en-US" dirty="0"/>
+              <a:rPr lang="en-US" sz="2800" dirty="0"/>
               <a:t> </a:t>
             </a:r>
           </a:p>
           <a:p>
-            <a:endParaRPr lang="en-US" dirty="0"/>
-          </a:p>
-          <a:p>
-            <a:r>
-              <a:rPr lang="en-US" dirty="0"/>
+            <a:endParaRPr lang="en-US" sz="2800" dirty="0"/>
+          </a:p>
+          <a:p>
+            <a:r>
+              <a:rPr lang="en-US" sz="2800" dirty="0"/>
               <a:t>Scan a UPC bar code</a:t>
             </a:r>
           </a:p>
           <a:p>
-            <a:endParaRPr lang="en-US" dirty="0"/>
-          </a:p>
-          <a:p>
-            <a:r>
-              <a:rPr lang="en-US" dirty="0"/>
-              <a:t>Integrating in </a:t>
-            </a:r>
-            <a:r>
-              <a:rPr lang="en-US" dirty="0" err="1"/>
+            <a:endParaRPr lang="en-US" sz="2800" dirty="0"/>
+          </a:p>
+          <a:p>
+            <a:r>
+              <a:rPr lang="en-US" sz="2800" dirty="0"/>
+              <a:t>Integrating in CM </a:t>
+            </a:r>
+            <a:r>
+              <a:rPr lang="en-US" sz="2800" dirty="0" err="1"/>
               <a:t>WebClient</a:t>
             </a:r>
-            <a:endParaRPr dirty="0"/>
+            <a:br>
+              <a:rPr lang="en-US" sz="2800" dirty="0"/>
+            </a:br>
+            <a:r>
+              <a:rPr lang="en-US" sz="2800" dirty="0"/>
+              <a:t>Abram </a:t>
+            </a:r>
+            <a:r>
+              <a:rPr lang="en-US" sz="2800" dirty="0" err="1"/>
+              <a:t>Darnutzer</a:t>
+            </a:r>
+            <a:br>
+              <a:rPr lang="en-US" sz="2800" dirty="0"/>
+            </a:br>
+            <a:endParaRPr sz="2800" dirty="0"/>
           </a:p>
         </p:txBody>
       </p:sp>
